--- a/development/images/images.pptx
+++ b/development/images/images.pptx
@@ -7,6 +7,7 @@
   <p:sldIdLst>
     <p:sldId id="256" r:id="rId2"/>
     <p:sldId id="257" r:id="rId3"/>
+    <p:sldId id="258" r:id="rId4"/>
   </p:sldIdLst>
   <p:sldSz cx="12192000" cy="6858000"/>
   <p:notesSz cx="6858000" cy="9144000"/>
@@ -105,6 +106,11 @@
       </a:defRPr>
     </a:lvl9pPr>
   </p:defaultTextStyle>
+  <p:extLst>
+    <p:ext uri="{EFAFB233-063F-42B5-8137-9DF3F51BA10A}">
+      <p15:sldGuideLst xmlns:p15="http://schemas.microsoft.com/office/powerpoint/2012/main"/>
+    </p:ext>
+  </p:extLst>
 </p:presentation>
 </file>
 
@@ -239,7 +245,7 @@
           <a:p>
             <a:fld id="{1BF106E0-D9A9-4871-B05C-012AD2983C8F}" type="datetimeFigureOut">
               <a:rPr lang="en-US" smtClean="0"/>
-              <a:t>7/23/2018</a:t>
+              <a:t>7/24/2018</a:t>
             </a:fld>
             <a:endParaRPr lang="en-US"/>
           </a:p>
@@ -409,7 +415,7 @@
           <a:p>
             <a:fld id="{1BF106E0-D9A9-4871-B05C-012AD2983C8F}" type="datetimeFigureOut">
               <a:rPr lang="en-US" smtClean="0"/>
-              <a:t>7/23/2018</a:t>
+              <a:t>7/24/2018</a:t>
             </a:fld>
             <a:endParaRPr lang="en-US"/>
           </a:p>
@@ -589,7 +595,7 @@
           <a:p>
             <a:fld id="{1BF106E0-D9A9-4871-B05C-012AD2983C8F}" type="datetimeFigureOut">
               <a:rPr lang="en-US" smtClean="0"/>
-              <a:t>7/23/2018</a:t>
+              <a:t>7/24/2018</a:t>
             </a:fld>
             <a:endParaRPr lang="en-US"/>
           </a:p>
@@ -759,7 +765,7 @@
           <a:p>
             <a:fld id="{1BF106E0-D9A9-4871-B05C-012AD2983C8F}" type="datetimeFigureOut">
               <a:rPr lang="en-US" smtClean="0"/>
-              <a:t>7/23/2018</a:t>
+              <a:t>7/24/2018</a:t>
             </a:fld>
             <a:endParaRPr lang="en-US"/>
           </a:p>
@@ -1005,7 +1011,7 @@
           <a:p>
             <a:fld id="{1BF106E0-D9A9-4871-B05C-012AD2983C8F}" type="datetimeFigureOut">
               <a:rPr lang="en-US" smtClean="0"/>
-              <a:t>7/23/2018</a:t>
+              <a:t>7/24/2018</a:t>
             </a:fld>
             <a:endParaRPr lang="en-US"/>
           </a:p>
@@ -1237,7 +1243,7 @@
           <a:p>
             <a:fld id="{1BF106E0-D9A9-4871-B05C-012AD2983C8F}" type="datetimeFigureOut">
               <a:rPr lang="en-US" smtClean="0"/>
-              <a:t>7/23/2018</a:t>
+              <a:t>7/24/2018</a:t>
             </a:fld>
             <a:endParaRPr lang="en-US"/>
           </a:p>
@@ -1604,7 +1610,7 @@
           <a:p>
             <a:fld id="{1BF106E0-D9A9-4871-B05C-012AD2983C8F}" type="datetimeFigureOut">
               <a:rPr lang="en-US" smtClean="0"/>
-              <a:t>7/23/2018</a:t>
+              <a:t>7/24/2018</a:t>
             </a:fld>
             <a:endParaRPr lang="en-US"/>
           </a:p>
@@ -1722,7 +1728,7 @@
           <a:p>
             <a:fld id="{1BF106E0-D9A9-4871-B05C-012AD2983C8F}" type="datetimeFigureOut">
               <a:rPr lang="en-US" smtClean="0"/>
-              <a:t>7/23/2018</a:t>
+              <a:t>7/24/2018</a:t>
             </a:fld>
             <a:endParaRPr lang="en-US"/>
           </a:p>
@@ -1817,7 +1823,7 @@
           <a:p>
             <a:fld id="{1BF106E0-D9A9-4871-B05C-012AD2983C8F}" type="datetimeFigureOut">
               <a:rPr lang="en-US" smtClean="0"/>
-              <a:t>7/23/2018</a:t>
+              <a:t>7/24/2018</a:t>
             </a:fld>
             <a:endParaRPr lang="en-US"/>
           </a:p>
@@ -2094,7 +2100,7 @@
           <a:p>
             <a:fld id="{1BF106E0-D9A9-4871-B05C-012AD2983C8F}" type="datetimeFigureOut">
               <a:rPr lang="en-US" smtClean="0"/>
-              <a:t>7/23/2018</a:t>
+              <a:t>7/24/2018</a:t>
             </a:fld>
             <a:endParaRPr lang="en-US"/>
           </a:p>
@@ -2347,7 +2353,7 @@
           <a:p>
             <a:fld id="{1BF106E0-D9A9-4871-B05C-012AD2983C8F}" type="datetimeFigureOut">
               <a:rPr lang="en-US" smtClean="0"/>
-              <a:t>7/23/2018</a:t>
+              <a:t>7/24/2018</a:t>
             </a:fld>
             <a:endParaRPr lang="en-US"/>
           </a:p>
@@ -2560,7 +2566,7 @@
           <a:p>
             <a:fld id="{1BF106E0-D9A9-4871-B05C-012AD2983C8F}" type="datetimeFigureOut">
               <a:rPr lang="en-US" smtClean="0"/>
-              <a:t>7/23/2018</a:t>
+              <a:t>7/24/2018</a:t>
             </a:fld>
             <a:endParaRPr lang="en-US"/>
           </a:p>
@@ -4210,6 +4216,66 @@
 </p:sld>
 </file>
 
+<file path=ppt/slides/slide3.xml><?xml version="1.0" encoding="utf-8"?>
+<p:sld xmlns:a="http://schemas.openxmlformats.org/drawingml/2006/main" xmlns:r="http://schemas.openxmlformats.org/officeDocument/2006/relationships" xmlns:p="http://schemas.openxmlformats.org/presentationml/2006/main">
+  <p:cSld>
+    <p:spTree>
+      <p:nvGrpSpPr>
+        <p:cNvPr id="1" name=""/>
+        <p:cNvGrpSpPr/>
+        <p:nvPr/>
+      </p:nvGrpSpPr>
+      <p:grpSpPr>
+        <a:xfrm>
+          <a:off x="0" y="0"/>
+          <a:ext cx="0" cy="0"/>
+          <a:chOff x="0" y="0"/>
+          <a:chExt cx="0" cy="0"/>
+        </a:xfrm>
+      </p:grpSpPr>
+      <p:sp>
+        <p:nvSpPr>
+          <p:cNvPr id="4" name="TextBox 3"/>
+          <p:cNvSpPr txBox="1"/>
+          <p:nvPr/>
+        </p:nvSpPr>
+        <p:spPr>
+          <a:xfrm>
+            <a:off x="3278909" y="2521527"/>
+            <a:ext cx="914400" cy="1200329"/>
+          </a:xfrm>
+          <a:prstGeom prst="rect">
+            <a:avLst/>
+          </a:prstGeom>
+          <a:noFill/>
+        </p:spPr>
+        <p:txBody>
+          <a:bodyPr wrap="square" rtlCol="0">
+            <a:spAutoFit/>
+          </a:bodyPr>
+          <a:lstStyle/>
+          <a:p>
+            <a:r>
+              <a:rPr lang="en-US" sz="7200" dirty="0" smtClean="0"/>
+              <a:t>*</a:t>
+            </a:r>
+            <a:endParaRPr lang="en-US" sz="7200" dirty="0"/>
+          </a:p>
+        </p:txBody>
+      </p:sp>
+    </p:spTree>
+    <p:extLst>
+      <p:ext uri="{BB962C8B-B14F-4D97-AF65-F5344CB8AC3E}">
+        <p14:creationId xmlns:p14="http://schemas.microsoft.com/office/powerpoint/2010/main" val="4085041337"/>
+      </p:ext>
+    </p:extLst>
+  </p:cSld>
+  <p:clrMapOvr>
+    <a:masterClrMapping/>
+  </p:clrMapOvr>
+</p:sld>
+</file>
+
 <file path=ppt/theme/theme1.xml><?xml version="1.0" encoding="utf-8"?>
 <a:theme xmlns:a="http://schemas.openxmlformats.org/drawingml/2006/main" name="Office Theme">
   <a:themeElements>

--- a/development/images/images.pptx
+++ b/development/images/images.pptx
@@ -245,7 +245,7 @@
           <a:p>
             <a:fld id="{1BF106E0-D9A9-4871-B05C-012AD2983C8F}" type="datetimeFigureOut">
               <a:rPr lang="en-US" smtClean="0"/>
-              <a:t>7/24/2018</a:t>
+              <a:t>8/3/2018</a:t>
             </a:fld>
             <a:endParaRPr lang="en-US"/>
           </a:p>
@@ -415,7 +415,7 @@
           <a:p>
             <a:fld id="{1BF106E0-D9A9-4871-B05C-012AD2983C8F}" type="datetimeFigureOut">
               <a:rPr lang="en-US" smtClean="0"/>
-              <a:t>7/24/2018</a:t>
+              <a:t>8/3/2018</a:t>
             </a:fld>
             <a:endParaRPr lang="en-US"/>
           </a:p>
@@ -595,7 +595,7 @@
           <a:p>
             <a:fld id="{1BF106E0-D9A9-4871-B05C-012AD2983C8F}" type="datetimeFigureOut">
               <a:rPr lang="en-US" smtClean="0"/>
-              <a:t>7/24/2018</a:t>
+              <a:t>8/3/2018</a:t>
             </a:fld>
             <a:endParaRPr lang="en-US"/>
           </a:p>
@@ -765,7 +765,7 @@
           <a:p>
             <a:fld id="{1BF106E0-D9A9-4871-B05C-012AD2983C8F}" type="datetimeFigureOut">
               <a:rPr lang="en-US" smtClean="0"/>
-              <a:t>7/24/2018</a:t>
+              <a:t>8/3/2018</a:t>
             </a:fld>
             <a:endParaRPr lang="en-US"/>
           </a:p>
@@ -1011,7 +1011,7 @@
           <a:p>
             <a:fld id="{1BF106E0-D9A9-4871-B05C-012AD2983C8F}" type="datetimeFigureOut">
               <a:rPr lang="en-US" smtClean="0"/>
-              <a:t>7/24/2018</a:t>
+              <a:t>8/3/2018</a:t>
             </a:fld>
             <a:endParaRPr lang="en-US"/>
           </a:p>
@@ -1243,7 +1243,7 @@
           <a:p>
             <a:fld id="{1BF106E0-D9A9-4871-B05C-012AD2983C8F}" type="datetimeFigureOut">
               <a:rPr lang="en-US" smtClean="0"/>
-              <a:t>7/24/2018</a:t>
+              <a:t>8/3/2018</a:t>
             </a:fld>
             <a:endParaRPr lang="en-US"/>
           </a:p>
@@ -1610,7 +1610,7 @@
           <a:p>
             <a:fld id="{1BF106E0-D9A9-4871-B05C-012AD2983C8F}" type="datetimeFigureOut">
               <a:rPr lang="en-US" smtClean="0"/>
-              <a:t>7/24/2018</a:t>
+              <a:t>8/3/2018</a:t>
             </a:fld>
             <a:endParaRPr lang="en-US"/>
           </a:p>
@@ -1728,7 +1728,7 @@
           <a:p>
             <a:fld id="{1BF106E0-D9A9-4871-B05C-012AD2983C8F}" type="datetimeFigureOut">
               <a:rPr lang="en-US" smtClean="0"/>
-              <a:t>7/24/2018</a:t>
+              <a:t>8/3/2018</a:t>
             </a:fld>
             <a:endParaRPr lang="en-US"/>
           </a:p>
@@ -1823,7 +1823,7 @@
           <a:p>
             <a:fld id="{1BF106E0-D9A9-4871-B05C-012AD2983C8F}" type="datetimeFigureOut">
               <a:rPr lang="en-US" smtClean="0"/>
-              <a:t>7/24/2018</a:t>
+              <a:t>8/3/2018</a:t>
             </a:fld>
             <a:endParaRPr lang="en-US"/>
           </a:p>
@@ -2100,7 +2100,7 @@
           <a:p>
             <a:fld id="{1BF106E0-D9A9-4871-B05C-012AD2983C8F}" type="datetimeFigureOut">
               <a:rPr lang="en-US" smtClean="0"/>
-              <a:t>7/24/2018</a:t>
+              <a:t>8/3/2018</a:t>
             </a:fld>
             <a:endParaRPr lang="en-US"/>
           </a:p>
@@ -2353,7 +2353,7 @@
           <a:p>
             <a:fld id="{1BF106E0-D9A9-4871-B05C-012AD2983C8F}" type="datetimeFigureOut">
               <a:rPr lang="en-US" smtClean="0"/>
-              <a:t>7/24/2018</a:t>
+              <a:t>8/3/2018</a:t>
             </a:fld>
             <a:endParaRPr lang="en-US"/>
           </a:p>
@@ -2566,7 +2566,7 @@
           <a:p>
             <a:fld id="{1BF106E0-D9A9-4871-B05C-012AD2983C8F}" type="datetimeFigureOut">
               <a:rPr lang="en-US" smtClean="0"/>
-              <a:t>7/24/2018</a:t>
+              <a:t>8/3/2018</a:t>
             </a:fld>
             <a:endParaRPr lang="en-US"/>
           </a:p>
@@ -4203,6 +4203,45 @@
           </p:txBody>
         </p:sp>
       </p:grpSp>
+      <p:sp>
+        <p:nvSpPr>
+          <p:cNvPr id="35" name="Down Arrow 34"/>
+          <p:cNvSpPr/>
+          <p:nvPr/>
+        </p:nvSpPr>
+        <p:spPr>
+          <a:xfrm rot="10800000">
+            <a:off x="9764454" y="619645"/>
+            <a:ext cx="1690255" cy="1178560"/>
+          </a:xfrm>
+          <a:prstGeom prst="downArrow">
+            <a:avLst/>
+          </a:prstGeom>
+          <a:ln/>
+        </p:spPr>
+        <p:style>
+          <a:lnRef idx="3">
+            <a:schemeClr val="lt1"/>
+          </a:lnRef>
+          <a:fillRef idx="1">
+            <a:schemeClr val="accent6"/>
+          </a:fillRef>
+          <a:effectRef idx="1">
+            <a:schemeClr val="accent6"/>
+          </a:effectRef>
+          <a:fontRef idx="minor">
+            <a:schemeClr val="lt1"/>
+          </a:fontRef>
+        </p:style>
+        <p:txBody>
+          <a:bodyPr rtlCol="0" anchor="ctr"/>
+          <a:lstStyle/>
+          <a:p>
+            <a:pPr algn="ctr"/>
+            <a:endParaRPr lang="en-US"/>
+          </a:p>
+        </p:txBody>
+      </p:sp>
     </p:spTree>
     <p:extLst>
       <p:ext uri="{BB962C8B-B14F-4D97-AF65-F5344CB8AC3E}">
